--- a/docs/diagram.pptx
+++ b/docs/diagram.pptx
@@ -260,7 +260,7 @@
           <a:p>
             <a:fld id="{58394CDB-6B71-4F7A-8A90-72A5D3C4BF40}" type="datetimeFigureOut">
               <a:rPr lang="en-US" smtClean="0"/>
-              <a:t>30-Jan-19</a:t>
+              <a:t>31-Jan-19</a:t>
             </a:fld>
             <a:endParaRPr lang="en-US"/>
           </a:p>
@@ -458,7 +458,7 @@
           <a:p>
             <a:fld id="{58394CDB-6B71-4F7A-8A90-72A5D3C4BF40}" type="datetimeFigureOut">
               <a:rPr lang="en-US" smtClean="0"/>
-              <a:t>30-Jan-19</a:t>
+              <a:t>31-Jan-19</a:t>
             </a:fld>
             <a:endParaRPr lang="en-US"/>
           </a:p>
@@ -666,7 +666,7 @@
           <a:p>
             <a:fld id="{58394CDB-6B71-4F7A-8A90-72A5D3C4BF40}" type="datetimeFigureOut">
               <a:rPr lang="en-US" smtClean="0"/>
-              <a:t>30-Jan-19</a:t>
+              <a:t>31-Jan-19</a:t>
             </a:fld>
             <a:endParaRPr lang="en-US"/>
           </a:p>
@@ -864,7 +864,7 @@
           <a:p>
             <a:fld id="{58394CDB-6B71-4F7A-8A90-72A5D3C4BF40}" type="datetimeFigureOut">
               <a:rPr lang="en-US" smtClean="0"/>
-              <a:t>30-Jan-19</a:t>
+              <a:t>31-Jan-19</a:t>
             </a:fld>
             <a:endParaRPr lang="en-US"/>
           </a:p>
@@ -1139,7 +1139,7 @@
           <a:p>
             <a:fld id="{58394CDB-6B71-4F7A-8A90-72A5D3C4BF40}" type="datetimeFigureOut">
               <a:rPr lang="en-US" smtClean="0"/>
-              <a:t>30-Jan-19</a:t>
+              <a:t>31-Jan-19</a:t>
             </a:fld>
             <a:endParaRPr lang="en-US"/>
           </a:p>
@@ -1404,7 +1404,7 @@
           <a:p>
             <a:fld id="{58394CDB-6B71-4F7A-8A90-72A5D3C4BF40}" type="datetimeFigureOut">
               <a:rPr lang="en-US" smtClean="0"/>
-              <a:t>30-Jan-19</a:t>
+              <a:t>31-Jan-19</a:t>
             </a:fld>
             <a:endParaRPr lang="en-US"/>
           </a:p>
@@ -1816,7 +1816,7 @@
           <a:p>
             <a:fld id="{58394CDB-6B71-4F7A-8A90-72A5D3C4BF40}" type="datetimeFigureOut">
               <a:rPr lang="en-US" smtClean="0"/>
-              <a:t>30-Jan-19</a:t>
+              <a:t>31-Jan-19</a:t>
             </a:fld>
             <a:endParaRPr lang="en-US"/>
           </a:p>
@@ -1957,7 +1957,7 @@
           <a:p>
             <a:fld id="{58394CDB-6B71-4F7A-8A90-72A5D3C4BF40}" type="datetimeFigureOut">
               <a:rPr lang="en-US" smtClean="0"/>
-              <a:t>30-Jan-19</a:t>
+              <a:t>31-Jan-19</a:t>
             </a:fld>
             <a:endParaRPr lang="en-US"/>
           </a:p>
@@ -2070,7 +2070,7 @@
           <a:p>
             <a:fld id="{58394CDB-6B71-4F7A-8A90-72A5D3C4BF40}" type="datetimeFigureOut">
               <a:rPr lang="en-US" smtClean="0"/>
-              <a:t>30-Jan-19</a:t>
+              <a:t>31-Jan-19</a:t>
             </a:fld>
             <a:endParaRPr lang="en-US"/>
           </a:p>
@@ -2381,7 +2381,7 @@
           <a:p>
             <a:fld id="{58394CDB-6B71-4F7A-8A90-72A5D3C4BF40}" type="datetimeFigureOut">
               <a:rPr lang="en-US" smtClean="0"/>
-              <a:t>30-Jan-19</a:t>
+              <a:t>31-Jan-19</a:t>
             </a:fld>
             <a:endParaRPr lang="en-US"/>
           </a:p>
@@ -2669,7 +2669,7 @@
           <a:p>
             <a:fld id="{58394CDB-6B71-4F7A-8A90-72A5D3C4BF40}" type="datetimeFigureOut">
               <a:rPr lang="en-US" smtClean="0"/>
-              <a:t>30-Jan-19</a:t>
+              <a:t>31-Jan-19</a:t>
             </a:fld>
             <a:endParaRPr lang="en-US"/>
           </a:p>
@@ -2910,7 +2910,7 @@
           <a:p>
             <a:fld id="{58394CDB-6B71-4F7A-8A90-72A5D3C4BF40}" type="datetimeFigureOut">
               <a:rPr lang="en-US" smtClean="0"/>
-              <a:t>30-Jan-19</a:t>
+              <a:t>31-Jan-19</a:t>
             </a:fld>
             <a:endParaRPr lang="en-US"/>
           </a:p>
@@ -5215,67 +5215,30 @@
       </p:grpSpPr>
       <p:sp>
         <p:nvSpPr>
-          <p:cNvPr id="4" name="TextBox 3">
-            <a:extLst>
-              <a:ext uri="{FF2B5EF4-FFF2-40B4-BE49-F238E27FC236}">
-                <a16:creationId xmlns:a16="http://schemas.microsoft.com/office/drawing/2014/main" id="{BB7E9C81-41AC-4ADA-B6E4-D867F264EB04}"/>
-              </a:ext>
-            </a:extLst>
-          </p:cNvPr>
-          <p:cNvSpPr txBox="1"/>
+          <p:cNvPr id="24" name="Rectangle 23">
+            <a:extLst>
+              <a:ext uri="{FF2B5EF4-FFF2-40B4-BE49-F238E27FC236}">
+                <a16:creationId xmlns:a16="http://schemas.microsoft.com/office/drawing/2014/main" id="{2FF5BB89-A50A-454C-843B-0548C9EFE83F}"/>
+              </a:ext>
+            </a:extLst>
+          </p:cNvPr>
+          <p:cNvSpPr/>
           <p:nvPr/>
         </p:nvSpPr>
         <p:spPr>
           <a:xfrm>
-            <a:off x="4998720" y="685540"/>
-            <a:ext cx="5524287" cy="307777"/>
+            <a:off x="1043669" y="1212396"/>
+            <a:ext cx="9031060" cy="3506219"/>
           </a:xfrm>
           <a:prstGeom prst="rect">
             <a:avLst/>
           </a:prstGeom>
-          <a:noFill/>
-        </p:spPr>
-        <p:txBody>
-          <a:bodyPr wrap="square" rtlCol="0">
-            <a:spAutoFit/>
-          </a:bodyPr>
-          <a:lstStyle/>
-          <a:p>
-            <a:r>
-              <a:rPr lang="en-US" sz="1400" dirty="0"/>
-              <a:t>surround.process(data)</a:t>
-            </a:r>
-          </a:p>
-        </p:txBody>
-      </p:sp>
-      <p:sp>
-        <p:nvSpPr>
-          <p:cNvPr id="5" name="Arrow: Right 4">
-            <a:extLst>
-              <a:ext uri="{FF2B5EF4-FFF2-40B4-BE49-F238E27FC236}">
-                <a16:creationId xmlns:a16="http://schemas.microsoft.com/office/drawing/2014/main" id="{0AFEF555-DCC5-4B79-8569-417A1DDE2FA0}"/>
-              </a:ext>
-            </a:extLst>
-          </p:cNvPr>
-          <p:cNvSpPr/>
-          <p:nvPr/>
-        </p:nvSpPr>
-        <p:spPr>
-          <a:xfrm>
-            <a:off x="3207044" y="993317"/>
-            <a:ext cx="6308432" cy="257174"/>
-          </a:xfrm>
-          <a:prstGeom prst="rightArrow">
-            <a:avLst/>
-          </a:prstGeom>
           <a:solidFill>
-            <a:srgbClr val="FFFF00"/>
+            <a:schemeClr val="accent1">
+              <a:lumMod val="40000"/>
+              <a:lumOff val="60000"/>
+            </a:schemeClr>
           </a:solidFill>
-          <a:ln>
-            <a:solidFill>
-              <a:schemeClr val="tx1"/>
-            </a:solidFill>
-          </a:ln>
         </p:spPr>
         <p:style>
           <a:lnRef idx="2">
@@ -5299,6 +5262,935 @@
           <a:p>
             <a:pPr algn="ctr"/>
             <a:endParaRPr lang="en-US"/>
+          </a:p>
+        </p:txBody>
+      </p:sp>
+      <p:sp>
+        <p:nvSpPr>
+          <p:cNvPr id="5" name="Arrow: Right 4">
+            <a:extLst>
+              <a:ext uri="{FF2B5EF4-FFF2-40B4-BE49-F238E27FC236}">
+                <a16:creationId xmlns:a16="http://schemas.microsoft.com/office/drawing/2014/main" id="{0AFEF555-DCC5-4B79-8569-417A1DDE2FA0}"/>
+              </a:ext>
+            </a:extLst>
+          </p:cNvPr>
+          <p:cNvSpPr/>
+          <p:nvPr/>
+        </p:nvSpPr>
+        <p:spPr>
+          <a:xfrm>
+            <a:off x="2249262" y="3105826"/>
+            <a:ext cx="6403524" cy="257174"/>
+          </a:xfrm>
+          <a:prstGeom prst="rightArrow">
+            <a:avLst/>
+          </a:prstGeom>
+          <a:solidFill>
+            <a:srgbClr val="FFFF00"/>
+          </a:solidFill>
+          <a:ln>
+            <a:solidFill>
+              <a:schemeClr val="tx1"/>
+            </a:solidFill>
+          </a:ln>
+        </p:spPr>
+        <p:style>
+          <a:lnRef idx="2">
+            <a:schemeClr val="accent1">
+              <a:shade val="50000"/>
+            </a:schemeClr>
+          </a:lnRef>
+          <a:fillRef idx="1">
+            <a:schemeClr val="accent1"/>
+          </a:fillRef>
+          <a:effectRef idx="0">
+            <a:schemeClr val="accent1"/>
+          </a:effectRef>
+          <a:fontRef idx="minor">
+            <a:schemeClr val="lt1"/>
+          </a:fontRef>
+        </p:style>
+        <p:txBody>
+          <a:bodyPr rtlCol="0" anchor="ctr"/>
+          <a:lstStyle/>
+          <a:p>
+            <a:pPr algn="ctr"/>
+            <a:endParaRPr lang="en-US"/>
+          </a:p>
+        </p:txBody>
+      </p:sp>
+      <p:sp>
+        <p:nvSpPr>
+          <p:cNvPr id="4" name="TextBox 3">
+            <a:extLst>
+              <a:ext uri="{FF2B5EF4-FFF2-40B4-BE49-F238E27FC236}">
+                <a16:creationId xmlns:a16="http://schemas.microsoft.com/office/drawing/2014/main" id="{BB7E9C81-41AC-4ADA-B6E4-D867F264EB04}"/>
+              </a:ext>
+            </a:extLst>
+          </p:cNvPr>
+          <p:cNvSpPr txBox="1"/>
+          <p:nvPr/>
+        </p:nvSpPr>
+        <p:spPr>
+          <a:xfrm>
+            <a:off x="4384222" y="1195533"/>
+            <a:ext cx="5524287" cy="307777"/>
+          </a:xfrm>
+          <a:prstGeom prst="rect">
+            <a:avLst/>
+          </a:prstGeom>
+          <a:noFill/>
+        </p:spPr>
+        <p:txBody>
+          <a:bodyPr wrap="square" rtlCol="0">
+            <a:spAutoFit/>
+          </a:bodyPr>
+          <a:lstStyle/>
+          <a:p>
+            <a:r>
+              <a:rPr lang="en-US" sz="1400" dirty="0"/>
+              <a:t>surround.process(data)</a:t>
+            </a:r>
+          </a:p>
+        </p:txBody>
+      </p:sp>
+      <p:sp>
+        <p:nvSpPr>
+          <p:cNvPr id="3" name="Rectangle 2">
+            <a:extLst>
+              <a:ext uri="{FF2B5EF4-FFF2-40B4-BE49-F238E27FC236}">
+                <a16:creationId xmlns:a16="http://schemas.microsoft.com/office/drawing/2014/main" id="{4A37A644-026B-4764-AF8A-0EE3195CCDBA}"/>
+              </a:ext>
+            </a:extLst>
+          </p:cNvPr>
+          <p:cNvSpPr/>
+          <p:nvPr/>
+        </p:nvSpPr>
+        <p:spPr>
+          <a:xfrm>
+            <a:off x="2673803" y="2077126"/>
+            <a:ext cx="220436" cy="2314575"/>
+          </a:xfrm>
+          <a:prstGeom prst="rect">
+            <a:avLst/>
+          </a:prstGeom>
+        </p:spPr>
+        <p:style>
+          <a:lnRef idx="2">
+            <a:schemeClr val="accent1">
+              <a:shade val="50000"/>
+            </a:schemeClr>
+          </a:lnRef>
+          <a:fillRef idx="1">
+            <a:schemeClr val="accent1"/>
+          </a:fillRef>
+          <a:effectRef idx="0">
+            <a:schemeClr val="accent1"/>
+          </a:effectRef>
+          <a:fontRef idx="minor">
+            <a:schemeClr val="lt1"/>
+          </a:fontRef>
+        </p:style>
+        <p:txBody>
+          <a:bodyPr rtlCol="0" anchor="ctr"/>
+          <a:lstStyle/>
+          <a:p>
+            <a:pPr algn="ctr"/>
+            <a:endParaRPr lang="en-US"/>
+          </a:p>
+        </p:txBody>
+      </p:sp>
+      <p:sp>
+        <p:nvSpPr>
+          <p:cNvPr id="8" name="Rectangle 7">
+            <a:extLst>
+              <a:ext uri="{FF2B5EF4-FFF2-40B4-BE49-F238E27FC236}">
+                <a16:creationId xmlns:a16="http://schemas.microsoft.com/office/drawing/2014/main" id="{405F03A2-820D-45E8-99CE-D0A36C4001F7}"/>
+              </a:ext>
+            </a:extLst>
+          </p:cNvPr>
+          <p:cNvSpPr/>
+          <p:nvPr/>
+        </p:nvSpPr>
+        <p:spPr>
+          <a:xfrm>
+            <a:off x="3318781" y="2208096"/>
+            <a:ext cx="220436" cy="2052633"/>
+          </a:xfrm>
+          <a:prstGeom prst="rect">
+            <a:avLst/>
+          </a:prstGeom>
+        </p:spPr>
+        <p:style>
+          <a:lnRef idx="2">
+            <a:schemeClr val="accent1">
+              <a:shade val="50000"/>
+            </a:schemeClr>
+          </a:lnRef>
+          <a:fillRef idx="1">
+            <a:schemeClr val="accent1"/>
+          </a:fillRef>
+          <a:effectRef idx="0">
+            <a:schemeClr val="accent1"/>
+          </a:effectRef>
+          <a:fontRef idx="minor">
+            <a:schemeClr val="lt1"/>
+          </a:fontRef>
+        </p:style>
+        <p:txBody>
+          <a:bodyPr rtlCol="0" anchor="ctr"/>
+          <a:lstStyle/>
+          <a:p>
+            <a:pPr algn="ctr"/>
+            <a:endParaRPr lang="en-US"/>
+          </a:p>
+        </p:txBody>
+      </p:sp>
+      <p:sp>
+        <p:nvSpPr>
+          <p:cNvPr id="9" name="Rectangle 8">
+            <a:extLst>
+              <a:ext uri="{FF2B5EF4-FFF2-40B4-BE49-F238E27FC236}">
+                <a16:creationId xmlns:a16="http://schemas.microsoft.com/office/drawing/2014/main" id="{CFDEB697-4058-4428-8387-871D2B65A351}"/>
+              </a:ext>
+            </a:extLst>
+          </p:cNvPr>
+          <p:cNvSpPr/>
+          <p:nvPr/>
+        </p:nvSpPr>
+        <p:spPr>
+          <a:xfrm>
+            <a:off x="3963761" y="2358795"/>
+            <a:ext cx="220436" cy="1804992"/>
+          </a:xfrm>
+          <a:prstGeom prst="rect">
+            <a:avLst/>
+          </a:prstGeom>
+        </p:spPr>
+        <p:style>
+          <a:lnRef idx="2">
+            <a:schemeClr val="accent1">
+              <a:shade val="50000"/>
+            </a:schemeClr>
+          </a:lnRef>
+          <a:fillRef idx="1">
+            <a:schemeClr val="accent1"/>
+          </a:fillRef>
+          <a:effectRef idx="0">
+            <a:schemeClr val="accent1"/>
+          </a:effectRef>
+          <a:fontRef idx="minor">
+            <a:schemeClr val="lt1"/>
+          </a:fontRef>
+        </p:style>
+        <p:txBody>
+          <a:bodyPr rtlCol="0" anchor="ctr"/>
+          <a:lstStyle/>
+          <a:p>
+            <a:pPr algn="ctr"/>
+            <a:endParaRPr lang="en-US"/>
+          </a:p>
+        </p:txBody>
+      </p:sp>
+      <p:sp>
+        <p:nvSpPr>
+          <p:cNvPr id="10" name="Rectangle 9">
+            <a:extLst>
+              <a:ext uri="{FF2B5EF4-FFF2-40B4-BE49-F238E27FC236}">
+                <a16:creationId xmlns:a16="http://schemas.microsoft.com/office/drawing/2014/main" id="{B5BFBF19-E96B-4768-9F4B-4503CCD1A417}"/>
+              </a:ext>
+            </a:extLst>
+          </p:cNvPr>
+          <p:cNvSpPr/>
+          <p:nvPr/>
+        </p:nvSpPr>
+        <p:spPr>
+          <a:xfrm>
+            <a:off x="4608740" y="2498271"/>
+            <a:ext cx="220436" cy="1518558"/>
+          </a:xfrm>
+          <a:prstGeom prst="rect">
+            <a:avLst/>
+          </a:prstGeom>
+        </p:spPr>
+        <p:style>
+          <a:lnRef idx="2">
+            <a:schemeClr val="accent1">
+              <a:shade val="50000"/>
+            </a:schemeClr>
+          </a:lnRef>
+          <a:fillRef idx="1">
+            <a:schemeClr val="accent1"/>
+          </a:fillRef>
+          <a:effectRef idx="0">
+            <a:schemeClr val="accent1"/>
+          </a:effectRef>
+          <a:fontRef idx="minor">
+            <a:schemeClr val="lt1"/>
+          </a:fontRef>
+        </p:style>
+        <p:txBody>
+          <a:bodyPr rtlCol="0" anchor="ctr"/>
+          <a:lstStyle/>
+          <a:p>
+            <a:pPr algn="ctr"/>
+            <a:endParaRPr lang="en-US"/>
+          </a:p>
+        </p:txBody>
+      </p:sp>
+      <p:sp>
+        <p:nvSpPr>
+          <p:cNvPr id="11" name="Rectangle 10">
+            <a:extLst>
+              <a:ext uri="{FF2B5EF4-FFF2-40B4-BE49-F238E27FC236}">
+                <a16:creationId xmlns:a16="http://schemas.microsoft.com/office/drawing/2014/main" id="{806A0DF0-AE09-44D0-A74A-307B38559288}"/>
+              </a:ext>
+            </a:extLst>
+          </p:cNvPr>
+          <p:cNvSpPr/>
+          <p:nvPr/>
+        </p:nvSpPr>
+        <p:spPr>
+          <a:xfrm>
+            <a:off x="5253719" y="2586709"/>
+            <a:ext cx="220436" cy="1295409"/>
+          </a:xfrm>
+          <a:prstGeom prst="rect">
+            <a:avLst/>
+          </a:prstGeom>
+        </p:spPr>
+        <p:style>
+          <a:lnRef idx="2">
+            <a:schemeClr val="accent1">
+              <a:shade val="50000"/>
+            </a:schemeClr>
+          </a:lnRef>
+          <a:fillRef idx="1">
+            <a:schemeClr val="accent1"/>
+          </a:fillRef>
+          <a:effectRef idx="0">
+            <a:schemeClr val="accent1"/>
+          </a:effectRef>
+          <a:fontRef idx="minor">
+            <a:schemeClr val="lt1"/>
+          </a:fontRef>
+        </p:style>
+        <p:txBody>
+          <a:bodyPr rtlCol="0" anchor="ctr"/>
+          <a:lstStyle/>
+          <a:p>
+            <a:pPr algn="ctr"/>
+            <a:endParaRPr lang="en-US"/>
+          </a:p>
+        </p:txBody>
+      </p:sp>
+      <p:sp>
+        <p:nvSpPr>
+          <p:cNvPr id="12" name="Rectangle 11">
+            <a:extLst>
+              <a:ext uri="{FF2B5EF4-FFF2-40B4-BE49-F238E27FC236}">
+                <a16:creationId xmlns:a16="http://schemas.microsoft.com/office/drawing/2014/main" id="{E21BE451-030D-4082-9F7C-6E987D850BD5}"/>
+              </a:ext>
+            </a:extLst>
+          </p:cNvPr>
+          <p:cNvSpPr/>
+          <p:nvPr/>
+        </p:nvSpPr>
+        <p:spPr>
+          <a:xfrm>
+            <a:off x="5898698" y="2755446"/>
+            <a:ext cx="220436" cy="1072919"/>
+          </a:xfrm>
+          <a:prstGeom prst="rect">
+            <a:avLst/>
+          </a:prstGeom>
+        </p:spPr>
+        <p:style>
+          <a:lnRef idx="2">
+            <a:schemeClr val="accent1">
+              <a:shade val="50000"/>
+            </a:schemeClr>
+          </a:lnRef>
+          <a:fillRef idx="1">
+            <a:schemeClr val="accent1"/>
+          </a:fillRef>
+          <a:effectRef idx="0">
+            <a:schemeClr val="accent1"/>
+          </a:effectRef>
+          <a:fontRef idx="minor">
+            <a:schemeClr val="lt1"/>
+          </a:fontRef>
+        </p:style>
+        <p:txBody>
+          <a:bodyPr rtlCol="0" anchor="ctr"/>
+          <a:lstStyle/>
+          <a:p>
+            <a:pPr algn="ctr"/>
+            <a:endParaRPr lang="en-US"/>
+          </a:p>
+        </p:txBody>
+      </p:sp>
+      <p:sp>
+        <p:nvSpPr>
+          <p:cNvPr id="13" name="Rectangle 12">
+            <a:extLst>
+              <a:ext uri="{FF2B5EF4-FFF2-40B4-BE49-F238E27FC236}">
+                <a16:creationId xmlns:a16="http://schemas.microsoft.com/office/drawing/2014/main" id="{6C2C4951-E897-42EB-8CA0-8771AE67EE46}"/>
+              </a:ext>
+            </a:extLst>
+          </p:cNvPr>
+          <p:cNvSpPr/>
+          <p:nvPr/>
+        </p:nvSpPr>
+        <p:spPr>
+          <a:xfrm>
+            <a:off x="6543677" y="2841171"/>
+            <a:ext cx="220436" cy="869497"/>
+          </a:xfrm>
+          <a:prstGeom prst="rect">
+            <a:avLst/>
+          </a:prstGeom>
+        </p:spPr>
+        <p:style>
+          <a:lnRef idx="2">
+            <a:schemeClr val="accent1">
+              <a:shade val="50000"/>
+            </a:schemeClr>
+          </a:lnRef>
+          <a:fillRef idx="1">
+            <a:schemeClr val="accent1"/>
+          </a:fillRef>
+          <a:effectRef idx="0">
+            <a:schemeClr val="accent1"/>
+          </a:effectRef>
+          <a:fontRef idx="minor">
+            <a:schemeClr val="lt1"/>
+          </a:fontRef>
+        </p:style>
+        <p:txBody>
+          <a:bodyPr rtlCol="0" anchor="ctr"/>
+          <a:lstStyle/>
+          <a:p>
+            <a:pPr algn="ctr"/>
+            <a:endParaRPr lang="en-US"/>
+          </a:p>
+        </p:txBody>
+      </p:sp>
+      <p:sp>
+        <p:nvSpPr>
+          <p:cNvPr id="14" name="Rectangle 13">
+            <a:extLst>
+              <a:ext uri="{FF2B5EF4-FFF2-40B4-BE49-F238E27FC236}">
+                <a16:creationId xmlns:a16="http://schemas.microsoft.com/office/drawing/2014/main" id="{F023644D-2DD0-4E4C-B0DF-80BA9300DFE0}"/>
+              </a:ext>
+            </a:extLst>
+          </p:cNvPr>
+          <p:cNvSpPr/>
+          <p:nvPr/>
+        </p:nvSpPr>
+        <p:spPr>
+          <a:xfrm>
+            <a:off x="7188656" y="3000375"/>
+            <a:ext cx="220436" cy="551089"/>
+          </a:xfrm>
+          <a:prstGeom prst="rect">
+            <a:avLst/>
+          </a:prstGeom>
+        </p:spPr>
+        <p:style>
+          <a:lnRef idx="2">
+            <a:schemeClr val="accent1">
+              <a:shade val="50000"/>
+            </a:schemeClr>
+          </a:lnRef>
+          <a:fillRef idx="1">
+            <a:schemeClr val="accent1"/>
+          </a:fillRef>
+          <a:effectRef idx="0">
+            <a:schemeClr val="accent1"/>
+          </a:effectRef>
+          <a:fontRef idx="minor">
+            <a:schemeClr val="lt1"/>
+          </a:fontRef>
+        </p:style>
+        <p:txBody>
+          <a:bodyPr rtlCol="0" anchor="ctr"/>
+          <a:lstStyle/>
+          <a:p>
+            <a:pPr algn="ctr"/>
+            <a:endParaRPr lang="en-US"/>
+          </a:p>
+        </p:txBody>
+      </p:sp>
+      <p:sp>
+        <p:nvSpPr>
+          <p:cNvPr id="15" name="TextBox 14">
+            <a:extLst>
+              <a:ext uri="{FF2B5EF4-FFF2-40B4-BE49-F238E27FC236}">
+                <a16:creationId xmlns:a16="http://schemas.microsoft.com/office/drawing/2014/main" id="{CC1F2C37-2287-4673-8CF9-EBF73DCA5E61}"/>
+              </a:ext>
+            </a:extLst>
+          </p:cNvPr>
+          <p:cNvSpPr txBox="1"/>
+          <p:nvPr/>
+        </p:nvSpPr>
+        <p:spPr>
+          <a:xfrm>
+            <a:off x="2198336" y="1819282"/>
+            <a:ext cx="1283365" cy="276999"/>
+          </a:xfrm>
+          <a:prstGeom prst="rect">
+            <a:avLst/>
+          </a:prstGeom>
+          <a:noFill/>
+        </p:spPr>
+        <p:txBody>
+          <a:bodyPr wrap="none" rtlCol="0">
+            <a:spAutoFit/>
+          </a:bodyPr>
+          <a:lstStyle/>
+          <a:p>
+            <a:r>
+              <a:rPr lang="en-US" sz="1200" dirty="0" err="1"/>
+              <a:t>PhotoExtraction</a:t>
+            </a:r>
+            <a:r>
+              <a:rPr lang="en-US" sz="1200" dirty="0"/>
+              <a:t>()</a:t>
+            </a:r>
+          </a:p>
+        </p:txBody>
+      </p:sp>
+      <p:sp>
+        <p:nvSpPr>
+          <p:cNvPr id="16" name="TextBox 15">
+            <a:extLst>
+              <a:ext uri="{FF2B5EF4-FFF2-40B4-BE49-F238E27FC236}">
+                <a16:creationId xmlns:a16="http://schemas.microsoft.com/office/drawing/2014/main" id="{2551C33F-F395-4581-95B7-23A85C041CEA}"/>
+              </a:ext>
+            </a:extLst>
+          </p:cNvPr>
+          <p:cNvSpPr txBox="1"/>
+          <p:nvPr/>
+        </p:nvSpPr>
+        <p:spPr>
+          <a:xfrm>
+            <a:off x="2825629" y="4282761"/>
+            <a:ext cx="1478033" cy="276999"/>
+          </a:xfrm>
+          <a:prstGeom prst="rect">
+            <a:avLst/>
+          </a:prstGeom>
+          <a:noFill/>
+        </p:spPr>
+        <p:txBody>
+          <a:bodyPr wrap="none" rtlCol="0">
+            <a:spAutoFit/>
+          </a:bodyPr>
+          <a:lstStyle/>
+          <a:p>
+            <a:r>
+              <a:rPr lang="en-US" sz="1200" dirty="0" err="1"/>
+              <a:t>DownsampleImage</a:t>
+            </a:r>
+            <a:r>
+              <a:rPr lang="en-US" sz="1200" dirty="0"/>
+              <a:t>()</a:t>
+            </a:r>
+          </a:p>
+        </p:txBody>
+      </p:sp>
+      <p:sp>
+        <p:nvSpPr>
+          <p:cNvPr id="17" name="TextBox 16">
+            <a:extLst>
+              <a:ext uri="{FF2B5EF4-FFF2-40B4-BE49-F238E27FC236}">
+                <a16:creationId xmlns:a16="http://schemas.microsoft.com/office/drawing/2014/main" id="{0EF63FAA-6013-4568-83A6-EE1D96E4A60B}"/>
+              </a:ext>
+            </a:extLst>
+          </p:cNvPr>
+          <p:cNvSpPr txBox="1"/>
+          <p:nvPr/>
+        </p:nvSpPr>
+        <p:spPr>
+          <a:xfrm>
+            <a:off x="3612927" y="2102298"/>
+            <a:ext cx="1071384" cy="276999"/>
+          </a:xfrm>
+          <a:prstGeom prst="rect">
+            <a:avLst/>
+          </a:prstGeom>
+          <a:noFill/>
+        </p:spPr>
+        <p:txBody>
+          <a:bodyPr wrap="none" rtlCol="0">
+            <a:spAutoFit/>
+          </a:bodyPr>
+          <a:lstStyle/>
+          <a:p>
+            <a:r>
+              <a:rPr lang="en-US" sz="1200" dirty="0" err="1"/>
+              <a:t>RotateImage</a:t>
+            </a:r>
+            <a:r>
+              <a:rPr lang="en-US" sz="1200" dirty="0"/>
+              <a:t>()</a:t>
+            </a:r>
+          </a:p>
+        </p:txBody>
+      </p:sp>
+      <p:sp>
+        <p:nvSpPr>
+          <p:cNvPr id="18" name="TextBox 17">
+            <a:extLst>
+              <a:ext uri="{FF2B5EF4-FFF2-40B4-BE49-F238E27FC236}">
+                <a16:creationId xmlns:a16="http://schemas.microsoft.com/office/drawing/2014/main" id="{259A7683-A04A-47E8-8821-15E6FC74CD7B}"/>
+              </a:ext>
+            </a:extLst>
+          </p:cNvPr>
+          <p:cNvSpPr txBox="1"/>
+          <p:nvPr/>
+        </p:nvSpPr>
+        <p:spPr>
+          <a:xfrm>
+            <a:off x="4185922" y="4001724"/>
+            <a:ext cx="1178015" cy="276999"/>
+          </a:xfrm>
+          <a:prstGeom prst="rect">
+            <a:avLst/>
+          </a:prstGeom>
+          <a:noFill/>
+        </p:spPr>
+        <p:txBody>
+          <a:bodyPr wrap="none" rtlCol="0">
+            <a:spAutoFit/>
+          </a:bodyPr>
+          <a:lstStyle/>
+          <a:p>
+            <a:r>
+              <a:rPr lang="en-US" sz="1200" dirty="0" err="1"/>
+              <a:t>ImageTooDark</a:t>
+            </a:r>
+            <a:r>
+              <a:rPr lang="en-US" sz="1200" dirty="0"/>
+              <a:t>()</a:t>
+            </a:r>
+          </a:p>
+        </p:txBody>
+      </p:sp>
+      <p:sp>
+        <p:nvSpPr>
+          <p:cNvPr id="19" name="TextBox 18">
+            <a:extLst>
+              <a:ext uri="{FF2B5EF4-FFF2-40B4-BE49-F238E27FC236}">
+                <a16:creationId xmlns:a16="http://schemas.microsoft.com/office/drawing/2014/main" id="{1C5C4F49-7D08-4F63-923F-BBA34B9F230B}"/>
+              </a:ext>
+            </a:extLst>
+          </p:cNvPr>
+          <p:cNvSpPr txBox="1"/>
+          <p:nvPr/>
+        </p:nvSpPr>
+        <p:spPr>
+          <a:xfrm>
+            <a:off x="4793599" y="2329596"/>
+            <a:ext cx="1598323" cy="276999"/>
+          </a:xfrm>
+          <a:prstGeom prst="rect">
+            <a:avLst/>
+          </a:prstGeom>
+          <a:noFill/>
+        </p:spPr>
+        <p:txBody>
+          <a:bodyPr wrap="none" rtlCol="0">
+            <a:spAutoFit/>
+          </a:bodyPr>
+          <a:lstStyle/>
+          <a:p>
+            <a:r>
+              <a:rPr lang="en-US" sz="1200" dirty="0" err="1"/>
+              <a:t>DetectAndAlignFaces</a:t>
+            </a:r>
+            <a:r>
+              <a:rPr lang="en-US" sz="1200" dirty="0"/>
+              <a:t>()</a:t>
+            </a:r>
+          </a:p>
+        </p:txBody>
+      </p:sp>
+      <p:sp>
+        <p:nvSpPr>
+          <p:cNvPr id="20" name="TextBox 19">
+            <a:extLst>
+              <a:ext uri="{FF2B5EF4-FFF2-40B4-BE49-F238E27FC236}">
+                <a16:creationId xmlns:a16="http://schemas.microsoft.com/office/drawing/2014/main" id="{1D85F9EC-A231-4250-BE97-420BC2EA11EF}"/>
+              </a:ext>
+            </a:extLst>
+          </p:cNvPr>
+          <p:cNvSpPr txBox="1"/>
+          <p:nvPr/>
+        </p:nvSpPr>
+        <p:spPr>
+          <a:xfrm>
+            <a:off x="5506946" y="3800781"/>
+            <a:ext cx="1007392" cy="276999"/>
+          </a:xfrm>
+          <a:prstGeom prst="rect">
+            <a:avLst/>
+          </a:prstGeom>
+          <a:noFill/>
+        </p:spPr>
+        <p:txBody>
+          <a:bodyPr wrap="none" rtlCol="0">
+            <a:spAutoFit/>
+          </a:bodyPr>
+          <a:lstStyle/>
+          <a:p>
+            <a:r>
+              <a:rPr lang="en-US" sz="1200" dirty="0" err="1"/>
+              <a:t>LargestFace</a:t>
+            </a:r>
+            <a:r>
+              <a:rPr lang="en-US" sz="1200" dirty="0"/>
+              <a:t>()</a:t>
+            </a:r>
+          </a:p>
+        </p:txBody>
+      </p:sp>
+      <p:sp>
+        <p:nvSpPr>
+          <p:cNvPr id="21" name="TextBox 20">
+            <a:extLst>
+              <a:ext uri="{FF2B5EF4-FFF2-40B4-BE49-F238E27FC236}">
+                <a16:creationId xmlns:a16="http://schemas.microsoft.com/office/drawing/2014/main" id="{F34AD8CC-B6D0-42E5-A4BB-7F2091A840C4}"/>
+              </a:ext>
+            </a:extLst>
+          </p:cNvPr>
+          <p:cNvSpPr txBox="1"/>
+          <p:nvPr/>
+        </p:nvSpPr>
+        <p:spPr>
+          <a:xfrm>
+            <a:off x="6155675" y="2606595"/>
+            <a:ext cx="1159933" cy="276999"/>
+          </a:xfrm>
+          <a:prstGeom prst="rect">
+            <a:avLst/>
+          </a:prstGeom>
+          <a:noFill/>
+        </p:spPr>
+        <p:txBody>
+          <a:bodyPr wrap="none" rtlCol="0">
+            <a:spAutoFit/>
+          </a:bodyPr>
+          <a:lstStyle/>
+          <a:p>
+            <a:r>
+              <a:rPr lang="en-US" sz="1200" dirty="0" err="1"/>
+              <a:t>FaceTooBlurry</a:t>
+            </a:r>
+            <a:r>
+              <a:rPr lang="en-US" sz="1200" dirty="0"/>
+              <a:t>()</a:t>
+            </a:r>
+          </a:p>
+        </p:txBody>
+      </p:sp>
+      <p:sp>
+        <p:nvSpPr>
+          <p:cNvPr id="22" name="TextBox 21">
+            <a:extLst>
+              <a:ext uri="{FF2B5EF4-FFF2-40B4-BE49-F238E27FC236}">
+                <a16:creationId xmlns:a16="http://schemas.microsoft.com/office/drawing/2014/main" id="{7D88E64B-ED92-41A8-ABB8-89A00042FE43}"/>
+              </a:ext>
+            </a:extLst>
+          </p:cNvPr>
+          <p:cNvSpPr txBox="1"/>
+          <p:nvPr/>
+        </p:nvSpPr>
+        <p:spPr>
+          <a:xfrm>
+            <a:off x="6764113" y="3536359"/>
+            <a:ext cx="1866729" cy="276999"/>
+          </a:xfrm>
+          <a:prstGeom prst="rect">
+            <a:avLst/>
+          </a:prstGeom>
+          <a:noFill/>
+        </p:spPr>
+        <p:txBody>
+          <a:bodyPr wrap="none" rtlCol="0">
+            <a:spAutoFit/>
+          </a:bodyPr>
+          <a:lstStyle/>
+          <a:p>
+            <a:r>
+              <a:rPr lang="en-US" sz="1200" dirty="0" err="1"/>
+              <a:t>ExtractEncodingsResNet1</a:t>
+            </a:r>
+            <a:r>
+              <a:rPr lang="en-US" sz="1200" dirty="0"/>
+              <a:t>()</a:t>
+            </a:r>
+          </a:p>
+        </p:txBody>
+      </p:sp>
+      <p:pic>
+        <p:nvPicPr>
+          <p:cNvPr id="23" name="Picture 22">
+            <a:extLst>
+              <a:ext uri="{FF2B5EF4-FFF2-40B4-BE49-F238E27FC236}">
+                <a16:creationId xmlns:a16="http://schemas.microsoft.com/office/drawing/2014/main" id="{42D10369-8B15-4D37-BD79-FDE86500BA6F}"/>
+              </a:ext>
+            </a:extLst>
+          </p:cNvPr>
+          <p:cNvPicPr>
+            <a:picLocks noChangeAspect="1"/>
+          </p:cNvPicPr>
+          <p:nvPr/>
+        </p:nvPicPr>
+        <p:blipFill>
+          <a:blip r:embed="rId2">
+            <a:extLst>
+              <a:ext uri="{28A0092B-C50C-407E-A947-70E740481C1C}">
+                <a14:useLocalDpi xmlns:a14="http://schemas.microsoft.com/office/drawing/2010/main" val="0"/>
+              </a:ext>
+            </a:extLst>
+          </a:blip>
+          <a:stretch>
+            <a:fillRect/>
+          </a:stretch>
+        </p:blipFill>
+        <p:spPr>
+          <a:xfrm>
+            <a:off x="1266359" y="2645808"/>
+            <a:ext cx="979032" cy="1077521"/>
+          </a:xfrm>
+          <a:prstGeom prst="rect">
+            <a:avLst/>
+          </a:prstGeom>
+          <a:ln/>
+        </p:spPr>
+        <p:style>
+          <a:lnRef idx="2">
+            <a:schemeClr val="dk1"/>
+          </a:lnRef>
+          <a:fillRef idx="1">
+            <a:schemeClr val="lt1"/>
+          </a:fillRef>
+          <a:effectRef idx="0">
+            <a:schemeClr val="dk1"/>
+          </a:effectRef>
+          <a:fontRef idx="minor">
+            <a:schemeClr val="dk1"/>
+          </a:fontRef>
+        </p:style>
+      </p:pic>
+      <p:sp>
+        <p:nvSpPr>
+          <p:cNvPr id="25" name="Rectangle 24">
+            <a:extLst>
+              <a:ext uri="{FF2B5EF4-FFF2-40B4-BE49-F238E27FC236}">
+                <a16:creationId xmlns:a16="http://schemas.microsoft.com/office/drawing/2014/main" id="{860495AA-F051-4F19-92B3-54832A4BB172}"/>
+              </a:ext>
+            </a:extLst>
+          </p:cNvPr>
+          <p:cNvSpPr/>
+          <p:nvPr/>
+        </p:nvSpPr>
+        <p:spPr>
+          <a:xfrm>
+            <a:off x="8644042" y="2645809"/>
+            <a:ext cx="1298695" cy="1371020"/>
+          </a:xfrm>
+          <a:prstGeom prst="rect">
+            <a:avLst/>
+          </a:prstGeom>
+          <a:solidFill>
+            <a:schemeClr val="bg1"/>
+          </a:solidFill>
+          <a:ln>
+            <a:solidFill>
+              <a:schemeClr val="tx1"/>
+            </a:solidFill>
+          </a:ln>
+        </p:spPr>
+        <p:style>
+          <a:lnRef idx="2">
+            <a:schemeClr val="accent1">
+              <a:shade val="50000"/>
+            </a:schemeClr>
+          </a:lnRef>
+          <a:fillRef idx="1">
+            <a:schemeClr val="accent1"/>
+          </a:fillRef>
+          <a:effectRef idx="0">
+            <a:schemeClr val="accent1"/>
+          </a:effectRef>
+          <a:fontRef idx="minor">
+            <a:schemeClr val="lt1"/>
+          </a:fontRef>
+        </p:style>
+        <p:txBody>
+          <a:bodyPr rtlCol="0" anchor="ctr"/>
+          <a:lstStyle/>
+          <a:p>
+            <a:r>
+              <a:rPr lang="en-US" sz="1050" dirty="0">
+                <a:solidFill>
+                  <a:schemeClr val="tx1"/>
+                </a:solidFill>
+              </a:rPr>
+              <a:t>{</a:t>
+            </a:r>
+          </a:p>
+          <a:p>
+            <a:pPr algn="ctr"/>
+            <a:r>
+              <a:rPr lang="en-US" sz="1050" dirty="0">
+                <a:solidFill>
+                  <a:schemeClr val="tx1"/>
+                </a:solidFill>
+              </a:rPr>
+              <a:t>“</a:t>
+            </a:r>
+            <a:r>
+              <a:rPr lang="en-US" sz="1050" b="1" dirty="0">
+                <a:solidFill>
+                  <a:schemeClr val="tx1"/>
+                </a:solidFill>
+              </a:rPr>
+              <a:t>faceEncodings</a:t>
+            </a:r>
+            <a:r>
+              <a:rPr lang="en-US" sz="1050" dirty="0">
+                <a:solidFill>
+                  <a:schemeClr val="tx1"/>
+                </a:solidFill>
+              </a:rPr>
+              <a:t>”: [0.015, -0.001, …., 0.157],</a:t>
+            </a:r>
+          </a:p>
+          <a:p>
+            <a:pPr algn="ctr"/>
+            <a:r>
+              <a:rPr lang="en-US" sz="1050" dirty="0">
+                <a:solidFill>
+                  <a:schemeClr val="tx1"/>
+                </a:solidFill>
+              </a:rPr>
+              <a:t>“photoFilename” : “taylor_swift1.PNG”</a:t>
+            </a:r>
+          </a:p>
+          <a:p>
+            <a:pPr algn="r"/>
+            <a:r>
+              <a:rPr lang="en-US" sz="1050" dirty="0">
+                <a:solidFill>
+                  <a:schemeClr val="tx1"/>
+                </a:solidFill>
+              </a:rPr>
+              <a:t>}</a:t>
+            </a:r>
           </a:p>
         </p:txBody>
       </p:sp>

--- a/docs/diagram.pptx
+++ b/docs/diagram.pptx
@@ -5215,10 +5215,10 @@
       </p:grpSpPr>
       <p:sp>
         <p:nvSpPr>
-          <p:cNvPr id="24" name="Rectangle 23">
-            <a:extLst>
-              <a:ext uri="{FF2B5EF4-FFF2-40B4-BE49-F238E27FC236}">
-                <a16:creationId xmlns:a16="http://schemas.microsoft.com/office/drawing/2014/main" id="{2FF5BB89-A50A-454C-843B-0548C9EFE83F}"/>
+          <p:cNvPr id="5" name="Arrow: Right 4">
+            <a:extLst>
+              <a:ext uri="{FF2B5EF4-FFF2-40B4-BE49-F238E27FC236}">
+                <a16:creationId xmlns:a16="http://schemas.microsoft.com/office/drawing/2014/main" id="{0AFEF555-DCC5-4B79-8569-417A1DDE2FA0}"/>
               </a:ext>
             </a:extLst>
           </p:cNvPr>
@@ -5227,18 +5227,20 @@
         </p:nvSpPr>
         <p:spPr>
           <a:xfrm>
-            <a:off x="1043669" y="1212396"/>
-            <a:ext cx="9031060" cy="3506219"/>
-          </a:xfrm>
-          <a:prstGeom prst="rect">
+            <a:off x="2249262" y="3105826"/>
+            <a:ext cx="6403524" cy="257174"/>
+          </a:xfrm>
+          <a:prstGeom prst="rightArrow">
             <a:avLst/>
           </a:prstGeom>
           <a:solidFill>
-            <a:schemeClr val="accent1">
-              <a:lumMod val="40000"/>
-              <a:lumOff val="60000"/>
-            </a:schemeClr>
+            <a:srgbClr val="FFFF00"/>
           </a:solidFill>
+          <a:ln>
+            <a:solidFill>
+              <a:schemeClr val="tx1"/>
+            </a:solidFill>
+          </a:ln>
         </p:spPr>
         <p:style>
           <a:lnRef idx="2">
@@ -5267,10 +5269,10 @@
       </p:sp>
       <p:sp>
         <p:nvSpPr>
-          <p:cNvPr id="5" name="Arrow: Right 4">
-            <a:extLst>
-              <a:ext uri="{FF2B5EF4-FFF2-40B4-BE49-F238E27FC236}">
-                <a16:creationId xmlns:a16="http://schemas.microsoft.com/office/drawing/2014/main" id="{0AFEF555-DCC5-4B79-8569-417A1DDE2FA0}"/>
+          <p:cNvPr id="3" name="Rectangle 2">
+            <a:extLst>
+              <a:ext uri="{FF2B5EF4-FFF2-40B4-BE49-F238E27FC236}">
+                <a16:creationId xmlns:a16="http://schemas.microsoft.com/office/drawing/2014/main" id="{4A37A644-026B-4764-AF8A-0EE3195CCDBA}"/>
               </a:ext>
             </a:extLst>
           </p:cNvPr>
@@ -5279,20 +5281,12 @@
         </p:nvSpPr>
         <p:spPr>
           <a:xfrm>
-            <a:off x="2249262" y="3105826"/>
-            <a:ext cx="6403524" cy="257174"/>
-          </a:xfrm>
-          <a:prstGeom prst="rightArrow">
+            <a:off x="2673803" y="2077126"/>
+            <a:ext cx="220436" cy="2314575"/>
+          </a:xfrm>
+          <a:prstGeom prst="rect">
             <a:avLst/>
           </a:prstGeom>
-          <a:solidFill>
-            <a:srgbClr val="FFFF00"/>
-          </a:solidFill>
-          <a:ln>
-            <a:solidFill>
-              <a:schemeClr val="tx1"/>
-            </a:solidFill>
-          </a:ln>
         </p:spPr>
         <p:style>
           <a:lnRef idx="2">
@@ -5321,45 +5315,10 @@
       </p:sp>
       <p:sp>
         <p:nvSpPr>
-          <p:cNvPr id="4" name="TextBox 3">
-            <a:extLst>
-              <a:ext uri="{FF2B5EF4-FFF2-40B4-BE49-F238E27FC236}">
-                <a16:creationId xmlns:a16="http://schemas.microsoft.com/office/drawing/2014/main" id="{BB7E9C81-41AC-4ADA-B6E4-D867F264EB04}"/>
-              </a:ext>
-            </a:extLst>
-          </p:cNvPr>
-          <p:cNvSpPr txBox="1"/>
-          <p:nvPr/>
-        </p:nvSpPr>
-        <p:spPr>
-          <a:xfrm>
-            <a:off x="4384222" y="1195533"/>
-            <a:ext cx="5524287" cy="307777"/>
-          </a:xfrm>
-          <a:prstGeom prst="rect">
-            <a:avLst/>
-          </a:prstGeom>
-          <a:noFill/>
-        </p:spPr>
-        <p:txBody>
-          <a:bodyPr wrap="square" rtlCol="0">
-            <a:spAutoFit/>
-          </a:bodyPr>
-          <a:lstStyle/>
-          <a:p>
-            <a:r>
-              <a:rPr lang="en-US" sz="1400" dirty="0"/>
-              <a:t>surround.process(data)</a:t>
-            </a:r>
-          </a:p>
-        </p:txBody>
-      </p:sp>
-      <p:sp>
-        <p:nvSpPr>
-          <p:cNvPr id="3" name="Rectangle 2">
-            <a:extLst>
-              <a:ext uri="{FF2B5EF4-FFF2-40B4-BE49-F238E27FC236}">
-                <a16:creationId xmlns:a16="http://schemas.microsoft.com/office/drawing/2014/main" id="{4A37A644-026B-4764-AF8A-0EE3195CCDBA}"/>
+          <p:cNvPr id="8" name="Rectangle 7">
+            <a:extLst>
+              <a:ext uri="{FF2B5EF4-FFF2-40B4-BE49-F238E27FC236}">
+                <a16:creationId xmlns:a16="http://schemas.microsoft.com/office/drawing/2014/main" id="{405F03A2-820D-45E8-99CE-D0A36C4001F7}"/>
               </a:ext>
             </a:extLst>
           </p:cNvPr>
@@ -5368,8 +5327,8 @@
         </p:nvSpPr>
         <p:spPr>
           <a:xfrm>
-            <a:off x="2673803" y="2077126"/>
-            <a:ext cx="220436" cy="2314575"/>
+            <a:off x="3318781" y="2208096"/>
+            <a:ext cx="220436" cy="2052633"/>
           </a:xfrm>
           <a:prstGeom prst="rect">
             <a:avLst/>
@@ -5402,10 +5361,10 @@
       </p:sp>
       <p:sp>
         <p:nvSpPr>
-          <p:cNvPr id="8" name="Rectangle 7">
-            <a:extLst>
-              <a:ext uri="{FF2B5EF4-FFF2-40B4-BE49-F238E27FC236}">
-                <a16:creationId xmlns:a16="http://schemas.microsoft.com/office/drawing/2014/main" id="{405F03A2-820D-45E8-99CE-D0A36C4001F7}"/>
+          <p:cNvPr id="9" name="Rectangle 8">
+            <a:extLst>
+              <a:ext uri="{FF2B5EF4-FFF2-40B4-BE49-F238E27FC236}">
+                <a16:creationId xmlns:a16="http://schemas.microsoft.com/office/drawing/2014/main" id="{CFDEB697-4058-4428-8387-871D2B65A351}"/>
               </a:ext>
             </a:extLst>
           </p:cNvPr>
@@ -5414,8 +5373,8 @@
         </p:nvSpPr>
         <p:spPr>
           <a:xfrm>
-            <a:off x="3318781" y="2208096"/>
-            <a:ext cx="220436" cy="2052633"/>
+            <a:off x="3963761" y="2358795"/>
+            <a:ext cx="220436" cy="1804992"/>
           </a:xfrm>
           <a:prstGeom prst="rect">
             <a:avLst/>
@@ -5448,10 +5407,10 @@
       </p:sp>
       <p:sp>
         <p:nvSpPr>
-          <p:cNvPr id="9" name="Rectangle 8">
-            <a:extLst>
-              <a:ext uri="{FF2B5EF4-FFF2-40B4-BE49-F238E27FC236}">
-                <a16:creationId xmlns:a16="http://schemas.microsoft.com/office/drawing/2014/main" id="{CFDEB697-4058-4428-8387-871D2B65A351}"/>
+          <p:cNvPr id="10" name="Rectangle 9">
+            <a:extLst>
+              <a:ext uri="{FF2B5EF4-FFF2-40B4-BE49-F238E27FC236}">
+                <a16:creationId xmlns:a16="http://schemas.microsoft.com/office/drawing/2014/main" id="{B5BFBF19-E96B-4768-9F4B-4503CCD1A417}"/>
               </a:ext>
             </a:extLst>
           </p:cNvPr>
@@ -5460,8 +5419,8 @@
         </p:nvSpPr>
         <p:spPr>
           <a:xfrm>
-            <a:off x="3963761" y="2358795"/>
-            <a:ext cx="220436" cy="1804992"/>
+            <a:off x="4608740" y="2498271"/>
+            <a:ext cx="220436" cy="1518558"/>
           </a:xfrm>
           <a:prstGeom prst="rect">
             <a:avLst/>
@@ -5494,10 +5453,10 @@
       </p:sp>
       <p:sp>
         <p:nvSpPr>
-          <p:cNvPr id="10" name="Rectangle 9">
-            <a:extLst>
-              <a:ext uri="{FF2B5EF4-FFF2-40B4-BE49-F238E27FC236}">
-                <a16:creationId xmlns:a16="http://schemas.microsoft.com/office/drawing/2014/main" id="{B5BFBF19-E96B-4768-9F4B-4503CCD1A417}"/>
+          <p:cNvPr id="11" name="Rectangle 10">
+            <a:extLst>
+              <a:ext uri="{FF2B5EF4-FFF2-40B4-BE49-F238E27FC236}">
+                <a16:creationId xmlns:a16="http://schemas.microsoft.com/office/drawing/2014/main" id="{806A0DF0-AE09-44D0-A74A-307B38559288}"/>
               </a:ext>
             </a:extLst>
           </p:cNvPr>
@@ -5506,8 +5465,8 @@
         </p:nvSpPr>
         <p:spPr>
           <a:xfrm>
-            <a:off x="4608740" y="2498271"/>
-            <a:ext cx="220436" cy="1518558"/>
+            <a:off x="5253719" y="2586709"/>
+            <a:ext cx="220436" cy="1295409"/>
           </a:xfrm>
           <a:prstGeom prst="rect">
             <a:avLst/>
@@ -5540,10 +5499,10 @@
       </p:sp>
       <p:sp>
         <p:nvSpPr>
-          <p:cNvPr id="11" name="Rectangle 10">
-            <a:extLst>
-              <a:ext uri="{FF2B5EF4-FFF2-40B4-BE49-F238E27FC236}">
-                <a16:creationId xmlns:a16="http://schemas.microsoft.com/office/drawing/2014/main" id="{806A0DF0-AE09-44D0-A74A-307B38559288}"/>
+          <p:cNvPr id="12" name="Rectangle 11">
+            <a:extLst>
+              <a:ext uri="{FF2B5EF4-FFF2-40B4-BE49-F238E27FC236}">
+                <a16:creationId xmlns:a16="http://schemas.microsoft.com/office/drawing/2014/main" id="{E21BE451-030D-4082-9F7C-6E987D850BD5}"/>
               </a:ext>
             </a:extLst>
           </p:cNvPr>
@@ -5552,8 +5511,8 @@
         </p:nvSpPr>
         <p:spPr>
           <a:xfrm>
-            <a:off x="5253719" y="2586709"/>
-            <a:ext cx="220436" cy="1295409"/>
+            <a:off x="5898698" y="2755446"/>
+            <a:ext cx="220436" cy="1072919"/>
           </a:xfrm>
           <a:prstGeom prst="rect">
             <a:avLst/>
@@ -5586,10 +5545,10 @@
       </p:sp>
       <p:sp>
         <p:nvSpPr>
-          <p:cNvPr id="12" name="Rectangle 11">
-            <a:extLst>
-              <a:ext uri="{FF2B5EF4-FFF2-40B4-BE49-F238E27FC236}">
-                <a16:creationId xmlns:a16="http://schemas.microsoft.com/office/drawing/2014/main" id="{E21BE451-030D-4082-9F7C-6E987D850BD5}"/>
+          <p:cNvPr id="13" name="Rectangle 12">
+            <a:extLst>
+              <a:ext uri="{FF2B5EF4-FFF2-40B4-BE49-F238E27FC236}">
+                <a16:creationId xmlns:a16="http://schemas.microsoft.com/office/drawing/2014/main" id="{6C2C4951-E897-42EB-8CA0-8771AE67EE46}"/>
               </a:ext>
             </a:extLst>
           </p:cNvPr>
@@ -5598,8 +5557,8 @@
         </p:nvSpPr>
         <p:spPr>
           <a:xfrm>
-            <a:off x="5898698" y="2755446"/>
-            <a:ext cx="220436" cy="1072919"/>
+            <a:off x="6543677" y="2841171"/>
+            <a:ext cx="220436" cy="869497"/>
           </a:xfrm>
           <a:prstGeom prst="rect">
             <a:avLst/>
@@ -5632,10 +5591,10 @@
       </p:sp>
       <p:sp>
         <p:nvSpPr>
-          <p:cNvPr id="13" name="Rectangle 12">
-            <a:extLst>
-              <a:ext uri="{FF2B5EF4-FFF2-40B4-BE49-F238E27FC236}">
-                <a16:creationId xmlns:a16="http://schemas.microsoft.com/office/drawing/2014/main" id="{6C2C4951-E897-42EB-8CA0-8771AE67EE46}"/>
+          <p:cNvPr id="14" name="Rectangle 13">
+            <a:extLst>
+              <a:ext uri="{FF2B5EF4-FFF2-40B4-BE49-F238E27FC236}">
+                <a16:creationId xmlns:a16="http://schemas.microsoft.com/office/drawing/2014/main" id="{F023644D-2DD0-4E4C-B0DF-80BA9300DFE0}"/>
               </a:ext>
             </a:extLst>
           </p:cNvPr>
@@ -5644,8 +5603,8 @@
         </p:nvSpPr>
         <p:spPr>
           <a:xfrm>
-            <a:off x="6543677" y="2841171"/>
-            <a:ext cx="220436" cy="869497"/>
+            <a:off x="7188656" y="3000375"/>
+            <a:ext cx="220436" cy="551089"/>
           </a:xfrm>
           <a:prstGeom prst="rect">
             <a:avLst/>
@@ -5678,52 +5637,6 @@
       </p:sp>
       <p:sp>
         <p:nvSpPr>
-          <p:cNvPr id="14" name="Rectangle 13">
-            <a:extLst>
-              <a:ext uri="{FF2B5EF4-FFF2-40B4-BE49-F238E27FC236}">
-                <a16:creationId xmlns:a16="http://schemas.microsoft.com/office/drawing/2014/main" id="{F023644D-2DD0-4E4C-B0DF-80BA9300DFE0}"/>
-              </a:ext>
-            </a:extLst>
-          </p:cNvPr>
-          <p:cNvSpPr/>
-          <p:nvPr/>
-        </p:nvSpPr>
-        <p:spPr>
-          <a:xfrm>
-            <a:off x="7188656" y="3000375"/>
-            <a:ext cx="220436" cy="551089"/>
-          </a:xfrm>
-          <a:prstGeom prst="rect">
-            <a:avLst/>
-          </a:prstGeom>
-        </p:spPr>
-        <p:style>
-          <a:lnRef idx="2">
-            <a:schemeClr val="accent1">
-              <a:shade val="50000"/>
-            </a:schemeClr>
-          </a:lnRef>
-          <a:fillRef idx="1">
-            <a:schemeClr val="accent1"/>
-          </a:fillRef>
-          <a:effectRef idx="0">
-            <a:schemeClr val="accent1"/>
-          </a:effectRef>
-          <a:fontRef idx="minor">
-            <a:schemeClr val="lt1"/>
-          </a:fontRef>
-        </p:style>
-        <p:txBody>
-          <a:bodyPr rtlCol="0" anchor="ctr"/>
-          <a:lstStyle/>
-          <a:p>
-            <a:pPr algn="ctr"/>
-            <a:endParaRPr lang="en-US"/>
-          </a:p>
-        </p:txBody>
-      </p:sp>
-      <p:sp>
-        <p:nvSpPr>
           <p:cNvPr id="15" name="TextBox 14">
             <a:extLst>
               <a:ext uri="{FF2B5EF4-FFF2-40B4-BE49-F238E27FC236}">
@@ -5751,12 +5664,8 @@
           <a:lstStyle/>
           <a:p>
             <a:r>
-              <a:rPr lang="en-US" sz="1200" dirty="0" err="1"/>
-              <a:t>PhotoExtraction</a:t>
-            </a:r>
-            <a:r>
               <a:rPr lang="en-US" sz="1200" dirty="0"/>
-              <a:t>()</a:t>
+              <a:t>PhotoExtraction()</a:t>
             </a:r>
           </a:p>
         </p:txBody>
@@ -5790,12 +5699,8 @@
           <a:lstStyle/>
           <a:p>
             <a:r>
-              <a:rPr lang="en-US" sz="1200" dirty="0" err="1"/>
-              <a:t>DownsampleImage</a:t>
-            </a:r>
-            <a:r>
               <a:rPr lang="en-US" sz="1200" dirty="0"/>
-              <a:t>()</a:t>
+              <a:t>DownsampleImage()</a:t>
             </a:r>
           </a:p>
         </p:txBody>
@@ -5829,12 +5734,8 @@
           <a:lstStyle/>
           <a:p>
             <a:r>
-              <a:rPr lang="en-US" sz="1200" dirty="0" err="1"/>
-              <a:t>RotateImage</a:t>
-            </a:r>
-            <a:r>
               <a:rPr lang="en-US" sz="1200" dirty="0"/>
-              <a:t>()</a:t>
+              <a:t>RotateImage()</a:t>
             </a:r>
           </a:p>
         </p:txBody>
@@ -5868,12 +5769,8 @@
           <a:lstStyle/>
           <a:p>
             <a:r>
-              <a:rPr lang="en-US" sz="1200" dirty="0" err="1"/>
-              <a:t>ImageTooDark</a:t>
-            </a:r>
-            <a:r>
               <a:rPr lang="en-US" sz="1200" dirty="0"/>
-              <a:t>()</a:t>
+              <a:t>ImageTooDark()</a:t>
             </a:r>
           </a:p>
         </p:txBody>
@@ -5907,12 +5804,8 @@
           <a:lstStyle/>
           <a:p>
             <a:r>
-              <a:rPr lang="en-US" sz="1200" dirty="0" err="1"/>
-              <a:t>DetectAndAlignFaces</a:t>
-            </a:r>
-            <a:r>
               <a:rPr lang="en-US" sz="1200" dirty="0"/>
-              <a:t>()</a:t>
+              <a:t>DetectAndAlignFaces()</a:t>
             </a:r>
           </a:p>
         </p:txBody>
@@ -5946,12 +5839,8 @@
           <a:lstStyle/>
           <a:p>
             <a:r>
-              <a:rPr lang="en-US" sz="1200" dirty="0" err="1"/>
-              <a:t>LargestFace</a:t>
-            </a:r>
-            <a:r>
               <a:rPr lang="en-US" sz="1200" dirty="0"/>
-              <a:t>()</a:t>
+              <a:t>LargestFace()</a:t>
             </a:r>
           </a:p>
         </p:txBody>
@@ -5985,12 +5874,8 @@
           <a:lstStyle/>
           <a:p>
             <a:r>
-              <a:rPr lang="en-US" sz="1200" dirty="0" err="1"/>
-              <a:t>FaceTooBlurry</a:t>
-            </a:r>
-            <a:r>
               <a:rPr lang="en-US" sz="1200" dirty="0"/>
-              <a:t>()</a:t>
+              <a:t>FaceTooBlurry()</a:t>
             </a:r>
           </a:p>
         </p:txBody>
@@ -6024,12 +5909,8 @@
           <a:lstStyle/>
           <a:p>
             <a:r>
-              <a:rPr lang="en-US" sz="1200" dirty="0" err="1"/>
-              <a:t>ExtractEncodingsResNet1</a:t>
-            </a:r>
-            <a:r>
               <a:rPr lang="en-US" sz="1200" dirty="0"/>
-              <a:t>()</a:t>
+              <a:t>ExtractEncodingsResNet1()</a:t>
             </a:r>
           </a:p>
         </p:txBody>
